--- a/Capacitor_Boards/capacitor_boards_rough_design.pptx
+++ b/Capacitor_Boards/capacitor_boards_rough_design.pptx
@@ -261,7 +261,7 @@
           <a:p>
             <a:fld id="{1C866B21-276E-4A11-AF71-F89AAD73C1E6}" type="datetimeFigureOut">
               <a:rPr lang="en-US" smtClean="0"/>
-              <a:t>4/20/2022</a:t>
+              <a:t>4/28/2022</a:t>
             </a:fld>
             <a:endParaRPr lang="en-US"/>
           </a:p>
@@ -459,7 +459,7 @@
           <a:p>
             <a:fld id="{1C866B21-276E-4A11-AF71-F89AAD73C1E6}" type="datetimeFigureOut">
               <a:rPr lang="en-US" smtClean="0"/>
-              <a:t>4/20/2022</a:t>
+              <a:t>4/28/2022</a:t>
             </a:fld>
             <a:endParaRPr lang="en-US"/>
           </a:p>
@@ -667,7 +667,7 @@
           <a:p>
             <a:fld id="{1C866B21-276E-4A11-AF71-F89AAD73C1E6}" type="datetimeFigureOut">
               <a:rPr lang="en-US" smtClean="0"/>
-              <a:t>4/20/2022</a:t>
+              <a:t>4/28/2022</a:t>
             </a:fld>
             <a:endParaRPr lang="en-US"/>
           </a:p>
@@ -865,7 +865,7 @@
           <a:p>
             <a:fld id="{1C866B21-276E-4A11-AF71-F89AAD73C1E6}" type="datetimeFigureOut">
               <a:rPr lang="en-US" smtClean="0"/>
-              <a:t>4/20/2022</a:t>
+              <a:t>4/28/2022</a:t>
             </a:fld>
             <a:endParaRPr lang="en-US"/>
           </a:p>
@@ -1140,7 +1140,7 @@
           <a:p>
             <a:fld id="{1C866B21-276E-4A11-AF71-F89AAD73C1E6}" type="datetimeFigureOut">
               <a:rPr lang="en-US" smtClean="0"/>
-              <a:t>4/20/2022</a:t>
+              <a:t>4/28/2022</a:t>
             </a:fld>
             <a:endParaRPr lang="en-US"/>
           </a:p>
@@ -1405,7 +1405,7 @@
           <a:p>
             <a:fld id="{1C866B21-276E-4A11-AF71-F89AAD73C1E6}" type="datetimeFigureOut">
               <a:rPr lang="en-US" smtClean="0"/>
-              <a:t>4/20/2022</a:t>
+              <a:t>4/28/2022</a:t>
             </a:fld>
             <a:endParaRPr lang="en-US"/>
           </a:p>
@@ -1817,7 +1817,7 @@
           <a:p>
             <a:fld id="{1C866B21-276E-4A11-AF71-F89AAD73C1E6}" type="datetimeFigureOut">
               <a:rPr lang="en-US" smtClean="0"/>
-              <a:t>4/20/2022</a:t>
+              <a:t>4/28/2022</a:t>
             </a:fld>
             <a:endParaRPr lang="en-US"/>
           </a:p>
@@ -1958,7 +1958,7 @@
           <a:p>
             <a:fld id="{1C866B21-276E-4A11-AF71-F89AAD73C1E6}" type="datetimeFigureOut">
               <a:rPr lang="en-US" smtClean="0"/>
-              <a:t>4/20/2022</a:t>
+              <a:t>4/28/2022</a:t>
             </a:fld>
             <a:endParaRPr lang="en-US"/>
           </a:p>
@@ -2071,7 +2071,7 @@
           <a:p>
             <a:fld id="{1C866B21-276E-4A11-AF71-F89AAD73C1E6}" type="datetimeFigureOut">
               <a:rPr lang="en-US" smtClean="0"/>
-              <a:t>4/20/2022</a:t>
+              <a:t>4/28/2022</a:t>
             </a:fld>
             <a:endParaRPr lang="en-US"/>
           </a:p>
@@ -2382,7 +2382,7 @@
           <a:p>
             <a:fld id="{1C866B21-276E-4A11-AF71-F89AAD73C1E6}" type="datetimeFigureOut">
               <a:rPr lang="en-US" smtClean="0"/>
-              <a:t>4/20/2022</a:t>
+              <a:t>4/28/2022</a:t>
             </a:fld>
             <a:endParaRPr lang="en-US"/>
           </a:p>
@@ -2670,7 +2670,7 @@
           <a:p>
             <a:fld id="{1C866B21-276E-4A11-AF71-F89AAD73C1E6}" type="datetimeFigureOut">
               <a:rPr lang="en-US" smtClean="0"/>
-              <a:t>4/20/2022</a:t>
+              <a:t>4/28/2022</a:t>
             </a:fld>
             <a:endParaRPr lang="en-US"/>
           </a:p>
@@ -2911,7 +2911,7 @@
           <a:p>
             <a:fld id="{1C866B21-276E-4A11-AF71-F89AAD73C1E6}" type="datetimeFigureOut">
               <a:rPr lang="en-US" smtClean="0"/>
-              <a:t>4/20/2022</a:t>
+              <a:t>4/28/2022</a:t>
             </a:fld>
             <a:endParaRPr lang="en-US"/>
           </a:p>
@@ -3328,56 +3328,6 @@
           <a:chExt cx="0" cy="0"/>
         </a:xfrm>
       </p:grpSpPr>
-      <p:sp>
-        <p:nvSpPr>
-          <p:cNvPr id="2" name="Title 1">
-            <a:extLst>
-              <a:ext uri="{FF2B5EF4-FFF2-40B4-BE49-F238E27FC236}">
-                <a16:creationId xmlns:a16="http://schemas.microsoft.com/office/drawing/2014/main" id="{6D8D0602-BF9D-457D-8F33-1FA27A64B8D8}"/>
-              </a:ext>
-            </a:extLst>
-          </p:cNvPr>
-          <p:cNvSpPr>
-            <a:spLocks noGrp="1"/>
-          </p:cNvSpPr>
-          <p:nvPr>
-            <p:ph type="ctrTitle"/>
-          </p:nvPr>
-        </p:nvSpPr>
-        <p:spPr/>
-        <p:txBody>
-          <a:bodyPr/>
-          <a:lstStyle/>
-          <a:p>
-            <a:endParaRPr lang="en-US"/>
-          </a:p>
-        </p:txBody>
-      </p:sp>
-      <p:sp>
-        <p:nvSpPr>
-          <p:cNvPr id="3" name="Subtitle 2">
-            <a:extLst>
-              <a:ext uri="{FF2B5EF4-FFF2-40B4-BE49-F238E27FC236}">
-                <a16:creationId xmlns:a16="http://schemas.microsoft.com/office/drawing/2014/main" id="{13AD19EC-F37A-4D00-908E-93871DD464F5}"/>
-              </a:ext>
-            </a:extLst>
-          </p:cNvPr>
-          <p:cNvSpPr>
-            <a:spLocks noGrp="1"/>
-          </p:cNvSpPr>
-          <p:nvPr>
-            <p:ph type="subTitle" idx="1"/>
-          </p:nvPr>
-        </p:nvSpPr>
-        <p:spPr/>
-        <p:txBody>
-          <a:bodyPr/>
-          <a:lstStyle/>
-          <a:p>
-            <a:endParaRPr lang="en-US"/>
-          </a:p>
-        </p:txBody>
-      </p:sp>
       <p:pic>
         <p:nvPicPr>
           <p:cNvPr id="9" name="Picture 8">
@@ -3394,13 +3344,13 @@
         </p:nvPicPr>
         <p:blipFill rotWithShape="1">
           <a:blip r:embed="rId2"/>
-          <a:srcRect t="14782" r="62651"/>
+          <a:srcRect l="14265" t="48370" r="65301" b="5690"/>
           <a:stretch/>
         </p:blipFill>
         <p:spPr>
           <a:xfrm>
-            <a:off x="1794932" y="579120"/>
-            <a:ext cx="6561667" cy="4678680"/>
+            <a:off x="2758441" y="1583139"/>
+            <a:ext cx="5254414" cy="3691721"/>
           </a:xfrm>
           <a:prstGeom prst="rect">
             <a:avLst/>
@@ -3421,13 +3371,15 @@
         </p:nvSpPr>
         <p:spPr>
           <a:xfrm>
-            <a:off x="7890934" y="3416830"/>
+            <a:off x="3981874" y="3598008"/>
             <a:ext cx="1278467" cy="646331"/>
           </a:xfrm>
           <a:prstGeom prst="rect">
             <a:avLst/>
           </a:prstGeom>
-          <a:noFill/>
+          <a:solidFill>
+            <a:schemeClr val="bg1"/>
+          </a:solidFill>
           <a:ln w="28575">
             <a:solidFill>
               <a:schemeClr val="tx1"/>
@@ -3440,13 +3392,24 @@
           </a:bodyPr>
           <a:lstStyle/>
           <a:p>
+            <a:pPr algn="ctr"/>
             <a:r>
               <a:rPr lang="en-US" dirty="0">
                 <a:solidFill>
                   <a:srgbClr val="FF0000"/>
                 </a:solidFill>
               </a:rPr>
-              <a:t>QLA right-angle</a:t>
+              <a:t>QLA</a:t>
+            </a:r>
+          </a:p>
+          <a:p>
+            <a:r>
+              <a:rPr lang="en-US" dirty="0">
+                <a:solidFill>
+                  <a:srgbClr val="FF0000"/>
+                </a:solidFill>
+              </a:rPr>
+              <a:t>right-angle</a:t>
             </a:r>
           </a:p>
         </p:txBody>
@@ -3465,13 +3428,15 @@
         </p:nvSpPr>
         <p:spPr>
           <a:xfrm>
-            <a:off x="5579533" y="3602038"/>
-            <a:ext cx="999068" cy="646331"/>
+            <a:off x="8080588" y="3274842"/>
+            <a:ext cx="1223433" cy="646331"/>
           </a:xfrm>
           <a:prstGeom prst="rect">
             <a:avLst/>
           </a:prstGeom>
-          <a:noFill/>
+          <a:solidFill>
+            <a:schemeClr val="bg1"/>
+          </a:solidFill>
           <a:ln w="28575">
             <a:solidFill>
               <a:schemeClr val="tx1"/>
@@ -3484,23 +3449,25 @@
           </a:bodyPr>
           <a:lstStyle/>
           <a:p>
+            <a:pPr algn="ctr"/>
             <a:r>
               <a:rPr lang="en-US" dirty="0">
                 <a:solidFill>
                   <a:srgbClr val="FF0000"/>
                 </a:solidFill>
               </a:rPr>
-              <a:t>SMA to</a:t>
-            </a:r>
-          </a:p>
-          <a:p>
+              <a:t>SMA</a:t>
+            </a:r>
+          </a:p>
+          <a:p>
+            <a:pPr algn="ctr"/>
             <a:r>
               <a:rPr lang="en-US" dirty="0">
                 <a:solidFill>
                   <a:srgbClr val="FF0000"/>
                 </a:solidFill>
               </a:rPr>
-              <a:t>BNC</a:t>
+              <a:t>to pigtail</a:t>
             </a:r>
           </a:p>
         </p:txBody>
@@ -3666,6 +3633,30 @@
               </a:rPr>
               <a:t>0.1” header pins (gold plated)</a:t>
             </a:r>
+          </a:p>
+          <a:p>
+            <a:pPr lvl="2">
+              <a:spcBef>
+                <a:spcPts val="0"/>
+              </a:spcBef>
+              <a:buFont typeface="Wingdings" panose="05000000000000000000" pitchFamily="2" charset="2"/>
+              <a:buChar char=""/>
+            </a:pPr>
+            <a:r>
+              <a:rPr lang="en-US">
+                <a:effectLst/>
+                <a:latin typeface="Times New Roman" panose="02020603050405020304" pitchFamily="18" charset="0"/>
+                <a:ea typeface="Calibri" panose="020F0502020204030204" pitchFamily="34" charset="0"/>
+                <a:cs typeface="Times New Roman" panose="02020603050405020304" pitchFamily="18" charset="0"/>
+              </a:rPr>
+              <a:t>11.65mm edge-to-edge of courtyards</a:t>
+            </a:r>
+            <a:endParaRPr lang="en-US" dirty="0">
+              <a:effectLst/>
+              <a:latin typeface="Times New Roman" panose="02020603050405020304" pitchFamily="18" charset="0"/>
+              <a:ea typeface="Calibri" panose="020F0502020204030204" pitchFamily="34" charset="0"/>
+              <a:cs typeface="Times New Roman" panose="02020603050405020304" pitchFamily="18" charset="0"/>
+            </a:endParaRPr>
           </a:p>
           <a:p>
             <a:pPr lvl="1"/>
@@ -3962,7 +3953,7 @@
         </p:blipFill>
         <p:spPr>
           <a:xfrm>
-            <a:off x="0" y="0"/>
+            <a:off x="0" y="25715"/>
             <a:ext cx="3581401" cy="2495550"/>
           </a:xfrm>
           <a:prstGeom prst="rect">
